--- a/Лекции/4/Классы, конструкторы и деструкторы.pptx
+++ b/Лекции/4/Классы, конструкторы и деструкторы.pptx
@@ -25,8 +25,8 @@
     <p:sldId id="309" r:id="rId16"/>
     <p:sldId id="315" r:id="rId17"/>
     <p:sldId id="316" r:id="rId18"/>
-    <p:sldId id="318" r:id="rId19"/>
-    <p:sldId id="307" r:id="rId20"/>
+    <p:sldId id="307" r:id="rId19"/>
+    <p:sldId id="318" r:id="rId20"/>
     <p:sldId id="271" r:id="rId21"/>
   </p:sldIdLst>
   <p:sldSz cx="12192000" cy="6858000"/>
@@ -216,7 +216,7 @@
           <a:p>
             <a:fld id="{A8655AC4-5CA5-44BA-A2FA-C6B5599E86AD}" type="datetimeFigureOut">
               <a:rPr lang="ru-RU" smtClean="0"/>
-              <a:t>06.10.2020</a:t>
+              <a:t>27.09.2021</a:t>
             </a:fld>
             <a:endParaRPr lang="ru-RU"/>
           </a:p>
@@ -615,7 +615,7 @@
           <a:p>
             <a:fld id="{87D644A0-8973-438C-9519-2E284ACDF610}" type="datetimeFigureOut">
               <a:rPr lang="ru-RU" smtClean="0"/>
-              <a:t>06.10.2020</a:t>
+              <a:t>27.09.2021</a:t>
             </a:fld>
             <a:endParaRPr lang="ru-RU"/>
           </a:p>
@@ -785,7 +785,7 @@
           <a:p>
             <a:fld id="{87D644A0-8973-438C-9519-2E284ACDF610}" type="datetimeFigureOut">
               <a:rPr lang="ru-RU" smtClean="0"/>
-              <a:t>06.10.2020</a:t>
+              <a:t>27.09.2021</a:t>
             </a:fld>
             <a:endParaRPr lang="ru-RU"/>
           </a:p>
@@ -965,7 +965,7 @@
           <a:p>
             <a:fld id="{87D644A0-8973-438C-9519-2E284ACDF610}" type="datetimeFigureOut">
               <a:rPr lang="ru-RU" smtClean="0"/>
-              <a:t>06.10.2020</a:t>
+              <a:t>27.09.2021</a:t>
             </a:fld>
             <a:endParaRPr lang="ru-RU"/>
           </a:p>
@@ -1135,7 +1135,7 @@
           <a:p>
             <a:fld id="{87D644A0-8973-438C-9519-2E284ACDF610}" type="datetimeFigureOut">
               <a:rPr lang="ru-RU" smtClean="0"/>
-              <a:t>06.10.2020</a:t>
+              <a:t>27.09.2021</a:t>
             </a:fld>
             <a:endParaRPr lang="ru-RU"/>
           </a:p>
@@ -1381,7 +1381,7 @@
           <a:p>
             <a:fld id="{87D644A0-8973-438C-9519-2E284ACDF610}" type="datetimeFigureOut">
               <a:rPr lang="ru-RU" smtClean="0"/>
-              <a:t>06.10.2020</a:t>
+              <a:t>27.09.2021</a:t>
             </a:fld>
             <a:endParaRPr lang="ru-RU"/>
           </a:p>
@@ -1613,7 +1613,7 @@
           <a:p>
             <a:fld id="{87D644A0-8973-438C-9519-2E284ACDF610}" type="datetimeFigureOut">
               <a:rPr lang="ru-RU" smtClean="0"/>
-              <a:t>06.10.2020</a:t>
+              <a:t>27.09.2021</a:t>
             </a:fld>
             <a:endParaRPr lang="ru-RU"/>
           </a:p>
@@ -1980,7 +1980,7 @@
           <a:p>
             <a:fld id="{87D644A0-8973-438C-9519-2E284ACDF610}" type="datetimeFigureOut">
               <a:rPr lang="ru-RU" smtClean="0"/>
-              <a:t>06.10.2020</a:t>
+              <a:t>27.09.2021</a:t>
             </a:fld>
             <a:endParaRPr lang="ru-RU"/>
           </a:p>
@@ -2098,7 +2098,7 @@
           <a:p>
             <a:fld id="{87D644A0-8973-438C-9519-2E284ACDF610}" type="datetimeFigureOut">
               <a:rPr lang="ru-RU" smtClean="0"/>
-              <a:t>06.10.2020</a:t>
+              <a:t>27.09.2021</a:t>
             </a:fld>
             <a:endParaRPr lang="ru-RU"/>
           </a:p>
@@ -2193,7 +2193,7 @@
           <a:p>
             <a:fld id="{87D644A0-8973-438C-9519-2E284ACDF610}" type="datetimeFigureOut">
               <a:rPr lang="ru-RU" smtClean="0"/>
-              <a:t>06.10.2020</a:t>
+              <a:t>27.09.2021</a:t>
             </a:fld>
             <a:endParaRPr lang="ru-RU"/>
           </a:p>
@@ -2470,7 +2470,7 @@
           <a:p>
             <a:fld id="{87D644A0-8973-438C-9519-2E284ACDF610}" type="datetimeFigureOut">
               <a:rPr lang="ru-RU" smtClean="0"/>
-              <a:t>06.10.2020</a:t>
+              <a:t>27.09.2021</a:t>
             </a:fld>
             <a:endParaRPr lang="ru-RU"/>
           </a:p>
@@ -2723,7 +2723,7 @@
           <a:p>
             <a:fld id="{87D644A0-8973-438C-9519-2E284ACDF610}" type="datetimeFigureOut">
               <a:rPr lang="ru-RU" smtClean="0"/>
-              <a:t>06.10.2020</a:t>
+              <a:t>27.09.2021</a:t>
             </a:fld>
             <a:endParaRPr lang="ru-RU"/>
           </a:p>
@@ -2936,7 +2936,7 @@
           <a:p>
             <a:fld id="{87D644A0-8973-438C-9519-2E284ACDF610}" type="datetimeFigureOut">
               <a:rPr lang="ru-RU" smtClean="0"/>
-              <a:t>06.10.2020</a:t>
+              <a:t>27.09.2021</a:t>
             </a:fld>
             <a:endParaRPr lang="ru-RU"/>
           </a:p>
@@ -3720,7 +3720,6 @@
               <a:rPr lang="ru-RU" dirty="0"/>
               <a:t>).</a:t>
             </a:r>
-            <a:endParaRPr lang="ru-RU" dirty="0"/>
           </a:p>
         </p:txBody>
       </p:sp>
@@ -6421,13 +6420,7 @@
               <a:rPr lang="ru-RU" sz="2800" b="1" smtClean="0">
                 <a:latin typeface="Calibri" panose="020F0502020204030204" pitchFamily="34" charset="0"/>
               </a:rPr>
-              <a:t>Конструктор </a:t>
-            </a:r>
-            <a:r>
-              <a:rPr lang="ru-RU" sz="2800" b="1" smtClean="0">
-                <a:latin typeface="Calibri" panose="020F0502020204030204" pitchFamily="34" charset="0"/>
-              </a:rPr>
-              <a:t>копирования</a:t>
+              <a:t>Конструктор копирования</a:t>
             </a:r>
             <a:endParaRPr lang="ru-RU" sz="2800" b="1" dirty="0">
               <a:latin typeface="Calibri" panose="020F0502020204030204" pitchFamily="34" charset="0"/>
@@ -6847,13 +6840,7 @@
               <a:rPr lang="ru-RU" sz="2800" b="1" smtClean="0">
                 <a:latin typeface="Calibri" panose="020F0502020204030204" pitchFamily="34" charset="0"/>
               </a:rPr>
-              <a:t>Конструктор </a:t>
-            </a:r>
-            <a:r>
-              <a:rPr lang="ru-RU" sz="2800" b="1" smtClean="0">
-                <a:latin typeface="Calibri" panose="020F0502020204030204" pitchFamily="34" charset="0"/>
-              </a:rPr>
-              <a:t>копирования по умолчанию</a:t>
+              <a:t>Конструктор копирования по умолчанию</a:t>
             </a:r>
             <a:r>
               <a:rPr lang="en-US" sz="2800" b="1" smtClean="0">
@@ -8196,13 +8183,7 @@
               <a:rPr lang="ru-RU" sz="2800" b="1" smtClean="0">
                 <a:latin typeface="Calibri" panose="020F0502020204030204" pitchFamily="34" charset="0"/>
               </a:rPr>
-              <a:t>Конструктор </a:t>
-            </a:r>
-            <a:r>
-              <a:rPr lang="ru-RU" sz="2800" b="1" smtClean="0">
-                <a:latin typeface="Calibri" panose="020F0502020204030204" pitchFamily="34" charset="0"/>
-              </a:rPr>
-              <a:t>копирования</a:t>
+              <a:t>Конструктор копирования</a:t>
             </a:r>
             <a:r>
               <a:rPr lang="en-US" sz="2800" b="1" smtClean="0">
@@ -10459,8 +10440,8 @@
         </p:nvSpPr>
         <p:spPr>
           <a:xfrm>
-            <a:off x="579166" y="518524"/>
-            <a:ext cx="11033760" cy="2031325"/>
+            <a:off x="425546" y="523220"/>
+            <a:ext cx="11341009" cy="6186309"/>
           </a:xfrm>
           <a:prstGeom prst="rect">
             <a:avLst/>
@@ -10473,92 +10454,276 @@
           <a:lstStyle/>
           <a:p>
             <a:r>
-              <a:rPr lang="ru-RU" b="1" dirty="0" smtClean="0"/>
-              <a:t>Идиома RAII</a:t>
-            </a:r>
-            <a:r>
               <a:rPr lang="ru-RU" dirty="0" smtClean="0"/>
-              <a:t> (</a:t>
+              <a:t>В каждом методе класса всегда существует указатель с названием </a:t>
+            </a:r>
+            <a:r>
+              <a:rPr lang="en-US" dirty="0" smtClean="0"/>
+              <a:t>this </a:t>
+            </a:r>
+            <a:r>
+              <a:rPr lang="ru-RU" dirty="0" smtClean="0"/>
+              <a:t>который всегда в обязательном порядке указывает на текущий объект класса у которого был вызван этот метод. Чаще всего этот указатель используется для того что бы обращаться к полям  в случае если их названия совпадают с названиями локальных переменных.</a:t>
+            </a:r>
+            <a:endParaRPr lang="en-US" dirty="0" smtClean="0"/>
+          </a:p>
+          <a:p>
+            <a:pPr marL="285750" indent="-285750">
+              <a:buFont typeface="Arial" panose="020B0604020202020204" pitchFamily="34" charset="0"/>
+              <a:buChar char="•"/>
+            </a:pPr>
+            <a:r>
+              <a:rPr lang="ru-RU" dirty="0" smtClean="0"/>
+              <a:t>При вызове </a:t>
+            </a:r>
+            <a:r>
+              <a:rPr lang="en-US" dirty="0" err="1" smtClean="0"/>
+              <a:t>obj.method</a:t>
+            </a:r>
+            <a:r>
+              <a:rPr lang="en-US" dirty="0" smtClean="0"/>
+              <a:t>(</a:t>
+            </a:r>
+            <a:r>
+              <a:rPr lang="en-US" dirty="0" err="1" smtClean="0"/>
+              <a:t>parm</a:t>
+            </a:r>
+            <a:r>
+              <a:rPr lang="en-US" dirty="0" smtClean="0"/>
+              <a:t>), </a:t>
+            </a:r>
+            <a:r>
+              <a:rPr lang="ru-RU" dirty="0" smtClean="0"/>
+              <a:t>компилятор фактически вызывает </a:t>
+            </a:r>
+            <a:r>
+              <a:rPr lang="en-US" dirty="0" smtClean="0"/>
+              <a:t>method (&amp;</a:t>
+            </a:r>
+            <a:r>
+              <a:rPr lang="en-US" dirty="0" err="1" smtClean="0"/>
+              <a:t>obj</a:t>
+            </a:r>
+            <a:r>
+              <a:rPr lang="en-US" dirty="0" smtClean="0"/>
+              <a:t>, </a:t>
+            </a:r>
+            <a:r>
+              <a:rPr lang="en-US" dirty="0" err="1" smtClean="0"/>
+              <a:t>parm</a:t>
+            </a:r>
+            <a:r>
+              <a:rPr lang="en-US" dirty="0" smtClean="0"/>
+              <a:t>).</a:t>
+            </a:r>
+            <a:endParaRPr lang="en-US" dirty="0"/>
+          </a:p>
+          <a:p>
+            <a:pPr marL="285750" indent="-285750">
+              <a:buFont typeface="Arial" panose="020B0604020202020204" pitchFamily="34" charset="0"/>
+              <a:buChar char="•"/>
+            </a:pPr>
+            <a:r>
+              <a:rPr lang="ru-RU" dirty="0" smtClean="0"/>
+              <a:t>Внутри </a:t>
+            </a:r>
+            <a:r>
+              <a:rPr lang="en-US" dirty="0" smtClean="0"/>
+              <a:t>method(), </a:t>
+            </a:r>
+            <a:r>
+              <a:rPr lang="ru-RU" dirty="0" smtClean="0"/>
+              <a:t>указатель *</a:t>
+            </a:r>
+            <a:r>
+              <a:rPr lang="en-US" dirty="0" smtClean="0"/>
+              <a:t>this </a:t>
+            </a:r>
+            <a:r>
+              <a:rPr lang="ru-RU" dirty="0" smtClean="0"/>
+              <a:t>содержит адрес объекта </a:t>
+            </a:r>
+            <a:r>
+              <a:rPr lang="en-US" dirty="0" smtClean="0"/>
+              <a:t>obj.</a:t>
+            </a:r>
+            <a:endParaRPr lang="en-US" dirty="0"/>
+          </a:p>
+          <a:p>
+            <a:pPr marL="285750" indent="-285750">
+              <a:buFont typeface="Arial" panose="020B0604020202020204" pitchFamily="34" charset="0"/>
+              <a:buChar char="•"/>
+            </a:pPr>
+            <a:r>
+              <a:rPr lang="ru-RU" dirty="0" smtClean="0"/>
+              <a:t>К любым переменным-членам внутри </a:t>
+            </a:r>
+            <a:r>
+              <a:rPr lang="en-US" dirty="0" smtClean="0"/>
+              <a:t>method() </a:t>
+            </a:r>
+            <a:r>
+              <a:rPr lang="ru-RU" dirty="0" smtClean="0"/>
+              <a:t>добавляется префикс </a:t>
+            </a:r>
+            <a:r>
+              <a:rPr lang="en-US" dirty="0" smtClean="0"/>
+              <a:t>this-&gt;. </a:t>
+            </a:r>
+            <a:r>
+              <a:rPr lang="ru-RU" dirty="0" smtClean="0"/>
+              <a:t>Поэтому, когда мы говорим </a:t>
+            </a:r>
+            <a:r>
+              <a:rPr lang="en-US" dirty="0" err="1" smtClean="0"/>
+              <a:t>cls_field</a:t>
+            </a:r>
+            <a:r>
+              <a:rPr lang="en-US" dirty="0" smtClean="0"/>
+              <a:t> = </a:t>
+            </a:r>
+            <a:r>
+              <a:rPr lang="en-US" dirty="0" err="1" smtClean="0"/>
+              <a:t>parm</a:t>
+            </a:r>
+            <a:r>
+              <a:rPr lang="en-US" dirty="0" smtClean="0"/>
+              <a:t>, </a:t>
+            </a:r>
+            <a:r>
+              <a:rPr lang="ru-RU" dirty="0" smtClean="0"/>
+              <a:t>компилятор фактически выполняет </a:t>
+            </a:r>
+            <a:r>
+              <a:rPr lang="en-US" dirty="0" smtClean="0"/>
+              <a:t>this-&gt;</a:t>
+            </a:r>
+            <a:r>
+              <a:rPr lang="en-US" dirty="0" err="1" smtClean="0"/>
+              <a:t>cls_field</a:t>
+            </a:r>
+            <a:r>
+              <a:rPr lang="en-US" dirty="0" smtClean="0"/>
+              <a:t> = </a:t>
+            </a:r>
+            <a:r>
+              <a:rPr lang="en-US" dirty="0" err="1" smtClean="0"/>
+              <a:t>parm</a:t>
+            </a:r>
+            <a:r>
+              <a:rPr lang="en-US" dirty="0" smtClean="0"/>
+              <a:t>, </a:t>
+            </a:r>
+            <a:r>
+              <a:rPr lang="ru-RU" dirty="0" smtClean="0"/>
+              <a:t>который, в этом случае, обновляет </a:t>
+            </a:r>
+            <a:r>
+              <a:rPr lang="en-US" dirty="0" err="1" smtClean="0"/>
+              <a:t>obj.cls_field</a:t>
+            </a:r>
+            <a:r>
+              <a:rPr lang="en-US" dirty="0" smtClean="0"/>
+              <a:t> </a:t>
+            </a:r>
+            <a:r>
+              <a:rPr lang="ru-RU" dirty="0" smtClean="0"/>
+              <a:t>на </a:t>
+            </a:r>
+            <a:r>
+              <a:rPr lang="en-US" dirty="0" err="1" smtClean="0"/>
+              <a:t>parm</a:t>
+            </a:r>
+            <a:r>
+              <a:rPr lang="en-US" dirty="0" smtClean="0"/>
+              <a:t>.</a:t>
+            </a:r>
+            <a:endParaRPr lang="ru-RU" dirty="0" smtClean="0"/>
+          </a:p>
+          <a:p>
+            <a:r>
+              <a:rPr lang="ru-RU" dirty="0" smtClean="0"/>
+              <a:t>Пример</a:t>
+            </a:r>
+            <a:r>
+              <a:rPr lang="en-US" dirty="0" smtClean="0"/>
+              <a:t>:</a:t>
+            </a:r>
+            <a:endParaRPr lang="ru-RU" dirty="0" smtClean="0"/>
+          </a:p>
+          <a:p>
+            <a:endParaRPr lang="ru-RU" dirty="0"/>
+          </a:p>
+          <a:p>
+            <a:endParaRPr lang="ru-RU" dirty="0" smtClean="0"/>
+          </a:p>
+          <a:p>
+            <a:endParaRPr lang="ru-RU" dirty="0"/>
+          </a:p>
+          <a:p>
+            <a:endParaRPr lang="ru-RU" dirty="0" smtClean="0"/>
+          </a:p>
+          <a:p>
+            <a:endParaRPr lang="ru-RU" dirty="0" smtClean="0"/>
+          </a:p>
+          <a:p>
+            <a:endParaRPr lang="ru-RU" dirty="0" smtClean="0"/>
+          </a:p>
+          <a:p>
+            <a:r>
+              <a:rPr lang="ru-RU" dirty="0" smtClean="0"/>
+              <a:t>Иногда бывает полезно, чтобы метод класса возвращал объект, с которым работает, в виде возвращаемого значения. Основной смысл здесь — это позволить нескольким методам объединиться в «</a:t>
             </a:r>
             <a:r>
               <a:rPr lang="ru-RU" dirty="0"/>
-              <a:t>англ</a:t>
+              <a:t>цепочку</a:t>
             </a:r>
             <a:r>
               <a:rPr lang="ru-RU" dirty="0" smtClean="0"/>
-              <a:t>. </a:t>
-            </a:r>
-            <a:r>
-              <a:rPr lang="ru-RU" i="1" dirty="0" smtClean="0"/>
-              <a:t>«</a:t>
-            </a:r>
-            <a:r>
-              <a:rPr lang="ru-RU" b="1" i="1" dirty="0" err="1" smtClean="0"/>
-              <a:t>R</a:t>
-            </a:r>
-            <a:r>
-              <a:rPr lang="ru-RU" i="1" dirty="0" err="1" smtClean="0"/>
-              <a:t>esource</a:t>
-            </a:r>
-            <a:r>
-              <a:rPr lang="ru-RU" i="1" dirty="0" smtClean="0"/>
-              <a:t> </a:t>
-            </a:r>
-            <a:r>
-              <a:rPr lang="ru-RU" b="1" i="1" dirty="0" err="1" smtClean="0"/>
-              <a:t>A</a:t>
-            </a:r>
-            <a:r>
-              <a:rPr lang="ru-RU" i="1" dirty="0" err="1" smtClean="0"/>
-              <a:t>cquisition</a:t>
-            </a:r>
-            <a:r>
-              <a:rPr lang="ru-RU" i="1" dirty="0" smtClean="0"/>
-              <a:t> </a:t>
-            </a:r>
-            <a:r>
-              <a:rPr lang="ru-RU" b="1" i="1" dirty="0" err="1" smtClean="0"/>
-              <a:t>I</a:t>
-            </a:r>
-            <a:r>
-              <a:rPr lang="ru-RU" i="1" dirty="0" err="1" smtClean="0"/>
-              <a:t>s</a:t>
-            </a:r>
-            <a:r>
-              <a:rPr lang="ru-RU" i="1" dirty="0" smtClean="0"/>
-              <a:t> </a:t>
-            </a:r>
-            <a:r>
-              <a:rPr lang="ru-RU" b="1" i="1" dirty="0" err="1" smtClean="0"/>
-              <a:t>I</a:t>
-            </a:r>
-            <a:r>
-              <a:rPr lang="ru-RU" i="1" dirty="0" err="1" smtClean="0"/>
-              <a:t>nitialization</a:t>
-            </a:r>
-            <a:r>
-              <a:rPr lang="ru-RU" i="1" dirty="0" smtClean="0"/>
-              <a:t>» = «Получение ресурсов есть инициализация»</a:t>
-            </a:r>
+              <a:t>», работая при этом с одним объектом</a:t>
+            </a:r>
+            <a:r>
+              <a:rPr lang="ru-RU" dirty="0"/>
+              <a:t>.</a:t>
+            </a:r>
+            <a:endParaRPr lang="ru-RU" dirty="0" smtClean="0"/>
+          </a:p>
+          <a:p>
             <a:r>
               <a:rPr lang="ru-RU" dirty="0" smtClean="0"/>
-              <a:t>) — это идиома </a:t>
-            </a:r>
-            <a:r>
-              <a:rPr lang="ru-RU" b="1" dirty="0" smtClean="0"/>
-              <a:t>объектно-ориентированного</a:t>
+              <a:t>Указатель *</a:t>
+            </a:r>
+            <a:r>
+              <a:rPr lang="ru-RU" dirty="0" err="1" smtClean="0"/>
+              <a:t>this</a:t>
             </a:r>
             <a:r>
               <a:rPr lang="ru-RU" dirty="0" smtClean="0"/>
-              <a:t> программирования, при которой использование ресурсов привязывается к времени жизни объектов с </a:t>
-            </a:r>
-            <a:r>
-              <a:rPr lang="ru-RU" b="1" dirty="0" smtClean="0"/>
-              <a:t>автоматической продолжительностью жизни</a:t>
+              <a:t> является скрытым параметром, который неявно добавляется к каждому методу класса. В большинстве случаев нам не нужно </a:t>
+            </a:r>
+            <a:r>
+              <a:rPr lang="ru-RU" u="sng" dirty="0" smtClean="0"/>
+              <a:t>о</a:t>
             </a:r>
             <a:r>
               <a:rPr lang="ru-RU" dirty="0" smtClean="0"/>
-              <a:t>. По сути это означает что если нам необходимо использовать в своей программе файл или подключение к серверу, к базе данных и тому подобное, то мы должны обернуть этот ресурс в класс и привязать факты открытия и закрытия этого ресурса к элементам цикла жизни объекта класса, т.е. открывать в конструкторе, а закрывать в деструкторе.</a:t>
+              <a:t>бращаться к нему напрямую, но при необходимости это можно сделать. Стоит отметить, что указатель *</a:t>
+            </a:r>
+            <a:r>
+              <a:rPr lang="ru-RU" dirty="0" err="1" smtClean="0"/>
+              <a:t>this</a:t>
+            </a:r>
+            <a:r>
+              <a:rPr lang="ru-RU" dirty="0" smtClean="0"/>
+              <a:t> является константным указателем — вы можете изменить значение исходного объекта, но вы не можете заставить указатель *</a:t>
+            </a:r>
+            <a:r>
+              <a:rPr lang="ru-RU" dirty="0" err="1" smtClean="0"/>
+              <a:t>this</a:t>
+            </a:r>
+            <a:r>
+              <a:rPr lang="ru-RU" dirty="0" smtClean="0"/>
+              <a:t> указывать на что-то другое.</a:t>
             </a:r>
             <a:endParaRPr lang="ru-RU" dirty="0"/>
           </a:p>
@@ -10572,8 +10737,8 @@
         </p:nvSpPr>
         <p:spPr>
           <a:xfrm>
-            <a:off x="5649450" y="0"/>
-            <a:ext cx="893193" cy="523220"/>
+            <a:off x="4867702" y="0"/>
+            <a:ext cx="2456698" cy="523220"/>
           </a:xfrm>
           <a:prstGeom prst="rect">
             <a:avLst/>
@@ -10587,10 +10752,16 @@
           <a:p>
             <a:pPr algn="ctr"/>
             <a:r>
-              <a:rPr lang="en-US" sz="2800" b="1" dirty="0" smtClean="0">
+              <a:rPr lang="ru-RU" sz="2800" b="1" smtClean="0">
                 <a:latin typeface="Calibri" panose="020F0502020204030204" pitchFamily="34" charset="0"/>
               </a:rPr>
-              <a:t>RAII</a:t>
+              <a:t>Указатель </a:t>
+            </a:r>
+            <a:r>
+              <a:rPr lang="en-US" sz="2800" b="1" smtClean="0">
+                <a:latin typeface="Calibri" panose="020F0502020204030204" pitchFamily="34" charset="0"/>
+              </a:rPr>
+              <a:t>this</a:t>
             </a:r>
             <a:r>
               <a:rPr lang="ru-RU" sz="2800" b="1" dirty="0" smtClean="0">
@@ -10612,121 +10783,302 @@
         </p:nvSpPr>
         <p:spPr>
           <a:xfrm>
-            <a:off x="579166" y="4170310"/>
-            <a:ext cx="11033760" cy="1754326"/>
+            <a:off x="3048050" y="3010713"/>
+            <a:ext cx="6096000" cy="1477328"/>
           </a:xfrm>
           <a:prstGeom prst="rect">
             <a:avLst/>
           </a:prstGeom>
         </p:spPr>
         <p:txBody>
-          <a:bodyPr wrap="square">
+          <a:bodyPr>
             <a:spAutoFit/>
           </a:bodyPr>
           <a:lstStyle/>
           <a:p>
             <a:r>
-              <a:rPr lang="ru-RU" dirty="0" smtClean="0"/>
-              <a:t>Если вам пришлось объявить что-либо из собственного</a:t>
-            </a:r>
-            <a:r>
-              <a:rPr lang="en-US" dirty="0" smtClean="0"/>
-              <a:t> </a:t>
-            </a:r>
-            <a:r>
-              <a:rPr lang="ru-RU" dirty="0" smtClean="0"/>
-              <a:t>конструктора копирования, собственного оператора</a:t>
-            </a:r>
-            <a:r>
-              <a:rPr lang="en-US" dirty="0" smtClean="0"/>
-              <a:t> </a:t>
-            </a:r>
-            <a:r>
-              <a:rPr lang="ru-RU" dirty="0" smtClean="0"/>
-              <a:t>присваивания и собственного деструктора, то, скорее всего</a:t>
-            </a:r>
-            <a:r>
-              <a:rPr lang="ru-RU" dirty="0"/>
-              <a:t>,</a:t>
-            </a:r>
-          </a:p>
-          <a:p>
-            <a:r>
-              <a:rPr lang="ru-RU" dirty="0" smtClean="0"/>
-              <a:t>вам нужно объявить все вышеперечисленное.</a:t>
-            </a:r>
-          </a:p>
-          <a:p>
-            <a:r>
-              <a:rPr lang="ru-RU" dirty="0" smtClean="0"/>
-              <a:t>Упрощенное объяснение</a:t>
-            </a:r>
-            <a:r>
-              <a:rPr lang="ru-RU" dirty="0"/>
-              <a:t>:</a:t>
-            </a:r>
-          </a:p>
-          <a:p>
-            <a:r>
-              <a:rPr lang="ru-RU" dirty="0" smtClean="0"/>
-              <a:t>Если среди полей класса есть хотя бы один указатель, вам</a:t>
-            </a:r>
-            <a:r>
-              <a:rPr lang="en-US" dirty="0" smtClean="0"/>
-              <a:t> </a:t>
-            </a:r>
-            <a:r>
-              <a:rPr lang="ru-RU" dirty="0" smtClean="0"/>
-              <a:t>нужно писать свой конструктор копирования, оператор</a:t>
-            </a:r>
-            <a:r>
-              <a:rPr lang="en-US" dirty="0" smtClean="0"/>
-              <a:t> </a:t>
-            </a:r>
-            <a:r>
-              <a:rPr lang="ru-RU" dirty="0" smtClean="0"/>
-              <a:t>присваивания и деструктор класса.</a:t>
-            </a:r>
-            <a:endParaRPr lang="ru-RU" dirty="0"/>
-          </a:p>
-        </p:txBody>
-      </p:sp>
-      <p:sp>
-        <p:nvSpPr>
-          <p:cNvPr id="6" name="Прямоугольник 5"/>
-          <p:cNvSpPr/>
-          <p:nvPr/>
-        </p:nvSpPr>
-        <p:spPr>
-          <a:xfrm>
-            <a:off x="4791032" y="3647090"/>
-            <a:ext cx="2393990" cy="523220"/>
-          </a:xfrm>
-          <a:prstGeom prst="rect">
-            <a:avLst/>
-          </a:prstGeom>
-        </p:spPr>
-        <p:txBody>
-          <a:bodyPr wrap="none">
-            <a:spAutoFit/>
-          </a:bodyPr>
-          <a:lstStyle/>
-          <a:p>
-            <a:pPr algn="ctr"/>
-            <a:r>
-              <a:rPr lang="ru-RU" sz="2800" b="1" smtClean="0">
-                <a:latin typeface="Calibri" panose="020F0502020204030204" pitchFamily="34" charset="0"/>
-              </a:rPr>
-              <a:t>Правило трех</a:t>
-            </a:r>
-            <a:r>
-              <a:rPr lang="ru-RU" sz="2800" b="1" dirty="0" smtClean="0">
-                <a:latin typeface="Calibri" panose="020F0502020204030204" pitchFamily="34" charset="0"/>
-              </a:rPr>
-              <a:t>.</a:t>
-            </a:r>
-            <a:endParaRPr lang="ru-RU" sz="2800" b="1" dirty="0">
-              <a:latin typeface="Calibri" panose="020F0502020204030204" pitchFamily="34" charset="0"/>
+              <a:rPr lang="en-US" dirty="0" smtClean="0">
+                <a:solidFill>
+                  <a:srgbClr val="000000"/>
+                </a:solidFill>
+                <a:latin typeface="Consolas" panose="020B0609020204030204" pitchFamily="49" charset="0"/>
+              </a:rPr>
+              <a:t>        Point(</a:t>
+            </a:r>
+            <a:r>
+              <a:rPr lang="en-US" dirty="0" err="1" smtClean="0">
+                <a:solidFill>
+                  <a:srgbClr val="0000FF"/>
+                </a:solidFill>
+                <a:latin typeface="Consolas" panose="020B0609020204030204" pitchFamily="49" charset="0"/>
+              </a:rPr>
+              <a:t>int</a:t>
+            </a:r>
+            <a:r>
+              <a:rPr lang="en-US" dirty="0" smtClean="0">
+                <a:solidFill>
+                  <a:srgbClr val="000000"/>
+                </a:solidFill>
+                <a:latin typeface="Consolas" panose="020B0609020204030204" pitchFamily="49" charset="0"/>
+              </a:rPr>
+              <a:t> x, </a:t>
+            </a:r>
+            <a:r>
+              <a:rPr lang="en-US" dirty="0" err="1" smtClean="0">
+                <a:solidFill>
+                  <a:srgbClr val="0000FF"/>
+                </a:solidFill>
+                <a:latin typeface="Consolas" panose="020B0609020204030204" pitchFamily="49" charset="0"/>
+              </a:rPr>
+              <a:t>int</a:t>
+            </a:r>
+            <a:r>
+              <a:rPr lang="en-US" dirty="0" smtClean="0">
+                <a:solidFill>
+                  <a:srgbClr val="000000"/>
+                </a:solidFill>
+                <a:latin typeface="Consolas" panose="020B0609020204030204" pitchFamily="49" charset="0"/>
+              </a:rPr>
+              <a:t> y</a:t>
+            </a:r>
+            <a:r>
+              <a:rPr lang="en-US" dirty="0">
+                <a:solidFill>
+                  <a:srgbClr val="000000"/>
+                </a:solidFill>
+                <a:latin typeface="Consolas" panose="020B0609020204030204" pitchFamily="49" charset="0"/>
+              </a:rPr>
+              <a:t>){</a:t>
+            </a:r>
+          </a:p>
+          <a:p>
+            <a:r>
+              <a:rPr lang="en-US" dirty="0" smtClean="0">
+                <a:solidFill>
+                  <a:srgbClr val="000000"/>
+                </a:solidFill>
+                <a:latin typeface="Consolas" panose="020B0609020204030204" pitchFamily="49" charset="0"/>
+              </a:rPr>
+              <a:t>            </a:t>
+            </a:r>
+            <a:r>
+              <a:rPr lang="en-US" dirty="0" smtClean="0">
+                <a:solidFill>
+                  <a:srgbClr val="0000FF"/>
+                </a:solidFill>
+                <a:latin typeface="Consolas" panose="020B0609020204030204" pitchFamily="49" charset="0"/>
+              </a:rPr>
+              <a:t>this</a:t>
+            </a:r>
+            <a:r>
+              <a:rPr lang="en-US" dirty="0" smtClean="0">
+                <a:solidFill>
+                  <a:srgbClr val="000000"/>
+                </a:solidFill>
+                <a:latin typeface="Consolas" panose="020B0609020204030204" pitchFamily="49" charset="0"/>
+              </a:rPr>
+              <a:t>-</a:t>
+            </a:r>
+            <a:r>
+              <a:rPr lang="en-US" dirty="0">
+                <a:solidFill>
+                  <a:srgbClr val="000000"/>
+                </a:solidFill>
+                <a:latin typeface="Consolas" panose="020B0609020204030204" pitchFamily="49" charset="0"/>
+              </a:rPr>
+              <a:t>&gt;</a:t>
+            </a:r>
+            <a:r>
+              <a:rPr lang="en-US" dirty="0" smtClean="0">
+                <a:solidFill>
+                  <a:srgbClr val="000000"/>
+                </a:solidFill>
+                <a:latin typeface="Consolas" panose="020B0609020204030204" pitchFamily="49" charset="0"/>
+              </a:rPr>
+              <a:t>x = x</a:t>
+            </a:r>
+            <a:r>
+              <a:rPr lang="en-US" dirty="0">
+                <a:solidFill>
+                  <a:srgbClr val="000000"/>
+                </a:solidFill>
+                <a:latin typeface="Consolas" panose="020B0609020204030204" pitchFamily="49" charset="0"/>
+              </a:rPr>
+              <a:t>;</a:t>
+            </a:r>
+          </a:p>
+          <a:p>
+            <a:r>
+              <a:rPr lang="en-US" dirty="0" smtClean="0">
+                <a:solidFill>
+                  <a:srgbClr val="000000"/>
+                </a:solidFill>
+                <a:latin typeface="Consolas" panose="020B0609020204030204" pitchFamily="49" charset="0"/>
+              </a:rPr>
+              <a:t>            </a:t>
+            </a:r>
+            <a:r>
+              <a:rPr lang="en-US" dirty="0" smtClean="0">
+                <a:solidFill>
+                  <a:srgbClr val="0000FF"/>
+                </a:solidFill>
+                <a:latin typeface="Consolas" panose="020B0609020204030204" pitchFamily="49" charset="0"/>
+              </a:rPr>
+              <a:t>this</a:t>
+            </a:r>
+            <a:r>
+              <a:rPr lang="en-US" dirty="0" smtClean="0">
+                <a:solidFill>
+                  <a:srgbClr val="000000"/>
+                </a:solidFill>
+                <a:latin typeface="Consolas" panose="020B0609020204030204" pitchFamily="49" charset="0"/>
+              </a:rPr>
+              <a:t>-</a:t>
+            </a:r>
+            <a:r>
+              <a:rPr lang="en-US" dirty="0">
+                <a:solidFill>
+                  <a:srgbClr val="000000"/>
+                </a:solidFill>
+                <a:latin typeface="Consolas" panose="020B0609020204030204" pitchFamily="49" charset="0"/>
+              </a:rPr>
+              <a:t>&gt;</a:t>
+            </a:r>
+            <a:r>
+              <a:rPr lang="en-US" dirty="0" smtClean="0">
+                <a:solidFill>
+                  <a:srgbClr val="000000"/>
+                </a:solidFill>
+                <a:latin typeface="Consolas" panose="020B0609020204030204" pitchFamily="49" charset="0"/>
+              </a:rPr>
+              <a:t>y = y</a:t>
+            </a:r>
+            <a:r>
+              <a:rPr lang="en-US" dirty="0">
+                <a:solidFill>
+                  <a:srgbClr val="000000"/>
+                </a:solidFill>
+                <a:latin typeface="Consolas" panose="020B0609020204030204" pitchFamily="49" charset="0"/>
+              </a:rPr>
+              <a:t>;</a:t>
+            </a:r>
+          </a:p>
+          <a:p>
+            <a:r>
+              <a:rPr lang="en-US" dirty="0" smtClean="0">
+                <a:solidFill>
+                  <a:srgbClr val="000000"/>
+                </a:solidFill>
+                <a:latin typeface="Consolas" panose="020B0609020204030204" pitchFamily="49" charset="0"/>
+              </a:rPr>
+              <a:t>            </a:t>
+            </a:r>
+            <a:r>
+              <a:rPr lang="en-US" dirty="0" smtClean="0">
+                <a:solidFill>
+                  <a:srgbClr val="0000FF"/>
+                </a:solidFill>
+                <a:latin typeface="Consolas" panose="020B0609020204030204" pitchFamily="49" charset="0"/>
+              </a:rPr>
+              <a:t>this</a:t>
+            </a:r>
+            <a:r>
+              <a:rPr lang="en-US" dirty="0" smtClean="0">
+                <a:solidFill>
+                  <a:srgbClr val="000000"/>
+                </a:solidFill>
+                <a:latin typeface="Consolas" panose="020B0609020204030204" pitchFamily="49" charset="0"/>
+              </a:rPr>
+              <a:t>-</a:t>
+            </a:r>
+            <a:r>
+              <a:rPr lang="en-US" dirty="0">
+                <a:solidFill>
+                  <a:srgbClr val="000000"/>
+                </a:solidFill>
+                <a:latin typeface="Consolas" panose="020B0609020204030204" pitchFamily="49" charset="0"/>
+              </a:rPr>
+              <a:t>&gt;</a:t>
+            </a:r>
+            <a:r>
+              <a:rPr lang="en-US" dirty="0" smtClean="0">
+                <a:solidFill>
+                  <a:srgbClr val="000000"/>
+                </a:solidFill>
+                <a:latin typeface="Consolas" panose="020B0609020204030204" pitchFamily="49" charset="0"/>
+              </a:rPr>
+              <a:t>error = </a:t>
+            </a:r>
+            <a:r>
+              <a:rPr lang="en-US" dirty="0" smtClean="0">
+                <a:solidFill>
+                  <a:srgbClr val="0000FF"/>
+                </a:solidFill>
+                <a:latin typeface="Consolas" panose="020B0609020204030204" pitchFamily="49" charset="0"/>
+              </a:rPr>
+              <a:t>new</a:t>
+            </a:r>
+            <a:r>
+              <a:rPr lang="en-US" dirty="0" smtClean="0">
+                <a:solidFill>
+                  <a:srgbClr val="000000"/>
+                </a:solidFill>
+                <a:latin typeface="Consolas" panose="020B0609020204030204" pitchFamily="49" charset="0"/>
+              </a:rPr>
+              <a:t> </a:t>
+            </a:r>
+            <a:r>
+              <a:rPr lang="en-US" dirty="0" smtClean="0">
+                <a:solidFill>
+                  <a:srgbClr val="0000FF"/>
+                </a:solidFill>
+                <a:latin typeface="Consolas" panose="020B0609020204030204" pitchFamily="49" charset="0"/>
+              </a:rPr>
+              <a:t>double</a:t>
+            </a:r>
+            <a:r>
+              <a:rPr lang="en-US" dirty="0" smtClean="0">
+                <a:solidFill>
+                  <a:srgbClr val="000000"/>
+                </a:solidFill>
+                <a:latin typeface="Consolas" panose="020B0609020204030204" pitchFamily="49" charset="0"/>
+              </a:rPr>
+              <a:t> {</a:t>
+            </a:r>
+            <a:r>
+              <a:rPr lang="en-US" dirty="0">
+                <a:solidFill>
+                  <a:srgbClr val="098658"/>
+                </a:solidFill>
+                <a:latin typeface="Consolas" panose="020B0609020204030204" pitchFamily="49" charset="0"/>
+              </a:rPr>
+              <a:t>0.5</a:t>
+            </a:r>
+            <a:r>
+              <a:rPr lang="en-US" dirty="0">
+                <a:solidFill>
+                  <a:srgbClr val="000000"/>
+                </a:solidFill>
+                <a:latin typeface="Consolas" panose="020B0609020204030204" pitchFamily="49" charset="0"/>
+              </a:rPr>
+              <a:t>};</a:t>
+            </a:r>
+          </a:p>
+          <a:p>
+            <a:r>
+              <a:rPr lang="en-US" dirty="0" smtClean="0">
+                <a:solidFill>
+                  <a:srgbClr val="000000"/>
+                </a:solidFill>
+                <a:latin typeface="Consolas" panose="020B0609020204030204" pitchFamily="49" charset="0"/>
+              </a:rPr>
+              <a:t>        }</a:t>
+            </a:r>
+            <a:endParaRPr lang="ru-RU" dirty="0">
+              <a:solidFill>
+                <a:srgbClr val="000000"/>
+              </a:solidFill>
+              <a:latin typeface="Consolas" panose="020B0609020204030204" pitchFamily="49" charset="0"/>
             </a:endParaRPr>
           </a:p>
         </p:txBody>
@@ -10734,7 +11086,7 @@
     </p:spTree>
     <p:extLst>
       <p:ext uri="{BB962C8B-B14F-4D97-AF65-F5344CB8AC3E}">
-        <p14:creationId xmlns:p14="http://schemas.microsoft.com/office/powerpoint/2010/main" val="879444638"/>
+        <p14:creationId xmlns:p14="http://schemas.microsoft.com/office/powerpoint/2010/main" val="3691105831"/>
       </p:ext>
     </p:extLst>
   </p:cSld>
@@ -10776,8 +11128,8 @@
         </p:nvSpPr>
         <p:spPr>
           <a:xfrm>
-            <a:off x="425546" y="523220"/>
-            <a:ext cx="11341009" cy="6186309"/>
+            <a:off x="579166" y="518524"/>
+            <a:ext cx="11033760" cy="2031325"/>
           </a:xfrm>
           <a:prstGeom prst="rect">
             <a:avLst/>
@@ -10790,284 +11142,92 @@
           <a:lstStyle/>
           <a:p>
             <a:r>
+              <a:rPr lang="ru-RU" b="1" dirty="0" smtClean="0"/>
+              <a:t>Идиома RAII</a:t>
+            </a:r>
+            <a:r>
               <a:rPr lang="ru-RU" dirty="0" smtClean="0"/>
-              <a:t>В каждом методе класса всегда существует указатель с названием </a:t>
-            </a:r>
-            <a:r>
-              <a:rPr lang="en-US" dirty="0" smtClean="0"/>
-              <a:t>this </a:t>
+              <a:t> (</a:t>
+            </a:r>
+            <a:r>
+              <a:rPr lang="ru-RU" dirty="0"/>
+              <a:t>англ</a:t>
             </a:r>
             <a:r>
               <a:rPr lang="ru-RU" dirty="0" smtClean="0"/>
-              <a:t>который всегда в обязательном порядке указывает на текущий объект класса у которого был вызван этот метод. Чаще всего этот указатель используется для того что бы обращаться к полям  в случае если их названия совпадают с названиями локальных переменных.</a:t>
-            </a:r>
-            <a:endParaRPr lang="en-US" dirty="0" smtClean="0"/>
-          </a:p>
-          <a:p>
-            <a:pPr marL="285750" indent="-285750">
-              <a:buFont typeface="Arial" panose="020B0604020202020204" pitchFamily="34" charset="0"/>
-              <a:buChar char="•"/>
-            </a:pPr>
+              <a:t>. </a:t>
+            </a:r>
+            <a:r>
+              <a:rPr lang="ru-RU" i="1" dirty="0" smtClean="0"/>
+              <a:t>«</a:t>
+            </a:r>
+            <a:r>
+              <a:rPr lang="ru-RU" b="1" i="1" dirty="0" err="1" smtClean="0"/>
+              <a:t>R</a:t>
+            </a:r>
+            <a:r>
+              <a:rPr lang="ru-RU" i="1" dirty="0" err="1" smtClean="0"/>
+              <a:t>esource</a:t>
+            </a:r>
+            <a:r>
+              <a:rPr lang="ru-RU" i="1" dirty="0" smtClean="0"/>
+              <a:t> </a:t>
+            </a:r>
+            <a:r>
+              <a:rPr lang="ru-RU" b="1" i="1" dirty="0" err="1" smtClean="0"/>
+              <a:t>A</a:t>
+            </a:r>
+            <a:r>
+              <a:rPr lang="ru-RU" i="1" dirty="0" err="1" smtClean="0"/>
+              <a:t>cquisition</a:t>
+            </a:r>
+            <a:r>
+              <a:rPr lang="ru-RU" i="1" dirty="0" smtClean="0"/>
+              <a:t> </a:t>
+            </a:r>
+            <a:r>
+              <a:rPr lang="ru-RU" b="1" i="1" dirty="0" err="1" smtClean="0"/>
+              <a:t>I</a:t>
+            </a:r>
+            <a:r>
+              <a:rPr lang="ru-RU" i="1" dirty="0" err="1" smtClean="0"/>
+              <a:t>s</a:t>
+            </a:r>
+            <a:r>
+              <a:rPr lang="ru-RU" i="1" dirty="0" smtClean="0"/>
+              <a:t> </a:t>
+            </a:r>
+            <a:r>
+              <a:rPr lang="ru-RU" b="1" i="1" dirty="0" err="1" smtClean="0"/>
+              <a:t>I</a:t>
+            </a:r>
+            <a:r>
+              <a:rPr lang="ru-RU" i="1" dirty="0" err="1" smtClean="0"/>
+              <a:t>nitialization</a:t>
+            </a:r>
+            <a:r>
+              <a:rPr lang="ru-RU" i="1" dirty="0" smtClean="0"/>
+              <a:t>» = «Получение ресурсов есть инициализация»</a:t>
+            </a:r>
             <a:r>
               <a:rPr lang="ru-RU" dirty="0" smtClean="0"/>
-              <a:t>При вызове </a:t>
-            </a:r>
-            <a:r>
-              <a:rPr lang="en-US" dirty="0" err="1" smtClean="0"/>
-              <a:t>obj.method</a:t>
-            </a:r>
-            <a:r>
-              <a:rPr lang="en-US" dirty="0" smtClean="0"/>
-              <a:t>(</a:t>
-            </a:r>
-            <a:r>
-              <a:rPr lang="en-US" dirty="0" err="1" smtClean="0"/>
-              <a:t>parm</a:t>
-            </a:r>
-            <a:r>
-              <a:rPr lang="en-US" dirty="0" smtClean="0"/>
-              <a:t>), </a:t>
+              <a:t>) — это идиома </a:t>
+            </a:r>
+            <a:r>
+              <a:rPr lang="ru-RU" b="1" dirty="0" smtClean="0"/>
+              <a:t>объектно-ориентированного</a:t>
             </a:r>
             <a:r>
               <a:rPr lang="ru-RU" dirty="0" smtClean="0"/>
-              <a:t>компилятор фактически вызывает </a:t>
-            </a:r>
-            <a:r>
-              <a:rPr lang="en-US" dirty="0" smtClean="0"/>
-              <a:t>method (&amp;</a:t>
-            </a:r>
-            <a:r>
-              <a:rPr lang="en-US" dirty="0" err="1" smtClean="0"/>
-              <a:t>obj</a:t>
-            </a:r>
-            <a:r>
-              <a:rPr lang="en-US" dirty="0" smtClean="0"/>
-              <a:t>, </a:t>
-            </a:r>
-            <a:r>
-              <a:rPr lang="en-US" dirty="0" err="1" smtClean="0"/>
-              <a:t>parm</a:t>
-            </a:r>
-            <a:r>
-              <a:rPr lang="en-US" dirty="0" smtClean="0"/>
-              <a:t>).</a:t>
-            </a:r>
-            <a:endParaRPr lang="en-US" dirty="0"/>
-          </a:p>
-          <a:p>
-            <a:pPr marL="285750" indent="-285750">
-              <a:buFont typeface="Arial" panose="020B0604020202020204" pitchFamily="34" charset="0"/>
-              <a:buChar char="•"/>
-            </a:pPr>
+              <a:t> программирования, при которой использование ресурсов привязывается к времени жизни объектов с </a:t>
+            </a:r>
+            <a:r>
+              <a:rPr lang="ru-RU" b="1" dirty="0" smtClean="0"/>
+              <a:t>автоматической продолжительностью жизни</a:t>
+            </a:r>
             <a:r>
               <a:rPr lang="ru-RU" dirty="0" smtClean="0"/>
-              <a:t>Внутри </a:t>
-            </a:r>
-            <a:r>
-              <a:rPr lang="en-US" dirty="0" smtClean="0"/>
-              <a:t>method(), </a:t>
-            </a:r>
-            <a:r>
-              <a:rPr lang="ru-RU" dirty="0" smtClean="0"/>
-              <a:t>указатель *</a:t>
-            </a:r>
-            <a:r>
-              <a:rPr lang="en-US" dirty="0" smtClean="0"/>
-              <a:t>this </a:t>
-            </a:r>
-            <a:r>
-              <a:rPr lang="ru-RU" dirty="0" smtClean="0"/>
-              <a:t>содержит адрес объекта </a:t>
-            </a:r>
-            <a:r>
-              <a:rPr lang="en-US" dirty="0" smtClean="0"/>
-              <a:t>obj</a:t>
-            </a:r>
-            <a:r>
-              <a:rPr lang="en-US" dirty="0" smtClean="0"/>
-              <a:t>.</a:t>
-            </a:r>
-            <a:endParaRPr lang="en-US" dirty="0"/>
-          </a:p>
-          <a:p>
-            <a:pPr marL="285750" indent="-285750">
-              <a:buFont typeface="Arial" panose="020B0604020202020204" pitchFamily="34" charset="0"/>
-              <a:buChar char="•"/>
-            </a:pPr>
-            <a:r>
-              <a:rPr lang="ru-RU" dirty="0" smtClean="0"/>
-              <a:t>К любым переменным-членам внутри </a:t>
-            </a:r>
-            <a:r>
-              <a:rPr lang="en-US" dirty="0" smtClean="0"/>
-              <a:t>method() </a:t>
-            </a:r>
-            <a:r>
-              <a:rPr lang="ru-RU" dirty="0" smtClean="0"/>
-              <a:t>добавляется префикс </a:t>
-            </a:r>
-            <a:r>
-              <a:rPr lang="en-US" dirty="0" smtClean="0"/>
-              <a:t>this-&gt;. </a:t>
-            </a:r>
-            <a:r>
-              <a:rPr lang="ru-RU" dirty="0" smtClean="0"/>
-              <a:t>Поэтому, когда мы говорим </a:t>
-            </a:r>
-            <a:r>
-              <a:rPr lang="en-US" dirty="0" err="1" smtClean="0"/>
-              <a:t>cls_field</a:t>
-            </a:r>
-            <a:r>
-              <a:rPr lang="en-US" dirty="0" smtClean="0"/>
-              <a:t> = </a:t>
-            </a:r>
-            <a:r>
-              <a:rPr lang="en-US" dirty="0" err="1" smtClean="0"/>
-              <a:t>parm</a:t>
-            </a:r>
-            <a:r>
-              <a:rPr lang="en-US" dirty="0" smtClean="0"/>
-              <a:t>, </a:t>
-            </a:r>
-            <a:r>
-              <a:rPr lang="ru-RU" dirty="0" smtClean="0"/>
-              <a:t>компилятор фактически выполняет </a:t>
-            </a:r>
-            <a:r>
-              <a:rPr lang="en-US" dirty="0" smtClean="0"/>
-              <a:t>this-</a:t>
-            </a:r>
-            <a:r>
-              <a:rPr lang="en-US" dirty="0" smtClean="0"/>
-              <a:t>&gt;</a:t>
-            </a:r>
-            <a:r>
-              <a:rPr lang="en-US" dirty="0" err="1" smtClean="0"/>
-              <a:t>cls_field</a:t>
-            </a:r>
-            <a:r>
-              <a:rPr lang="en-US" dirty="0" smtClean="0"/>
-              <a:t> = </a:t>
-            </a:r>
-            <a:r>
-              <a:rPr lang="en-US" dirty="0" err="1" smtClean="0"/>
-              <a:t>parm</a:t>
-            </a:r>
-            <a:r>
-              <a:rPr lang="en-US" dirty="0" smtClean="0"/>
-              <a:t>, </a:t>
-            </a:r>
-            <a:r>
-              <a:rPr lang="ru-RU" dirty="0" smtClean="0"/>
-              <a:t>который, в этом случае, обновляет </a:t>
-            </a:r>
-            <a:r>
-              <a:rPr lang="en-US" dirty="0" err="1" smtClean="0"/>
-              <a:t>obj.cls_field</a:t>
-            </a:r>
-            <a:r>
-              <a:rPr lang="en-US" dirty="0" smtClean="0"/>
-              <a:t> </a:t>
-            </a:r>
-            <a:r>
-              <a:rPr lang="ru-RU" dirty="0" smtClean="0"/>
-              <a:t>на </a:t>
-            </a:r>
-            <a:r>
-              <a:rPr lang="en-US" dirty="0" err="1" smtClean="0"/>
-              <a:t>parm</a:t>
-            </a:r>
-            <a:r>
-              <a:rPr lang="en-US" dirty="0" smtClean="0"/>
-              <a:t>.</a:t>
-            </a:r>
-            <a:endParaRPr lang="ru-RU" dirty="0" smtClean="0"/>
-          </a:p>
-          <a:p>
-            <a:r>
-              <a:rPr lang="ru-RU" dirty="0" smtClean="0"/>
-              <a:t>Пример</a:t>
-            </a:r>
-            <a:r>
-              <a:rPr lang="en-US" dirty="0" smtClean="0"/>
-              <a:t>:</a:t>
-            </a:r>
-            <a:endParaRPr lang="ru-RU" dirty="0" smtClean="0"/>
-          </a:p>
-          <a:p>
-            <a:endParaRPr lang="ru-RU" dirty="0"/>
-          </a:p>
-          <a:p>
-            <a:endParaRPr lang="ru-RU" dirty="0" smtClean="0"/>
-          </a:p>
-          <a:p>
-            <a:endParaRPr lang="ru-RU" dirty="0"/>
-          </a:p>
-          <a:p>
-            <a:endParaRPr lang="ru-RU" dirty="0" smtClean="0"/>
-          </a:p>
-          <a:p>
-            <a:endParaRPr lang="ru-RU" dirty="0" smtClean="0"/>
-          </a:p>
-          <a:p>
-            <a:endParaRPr lang="ru-RU" dirty="0" smtClean="0"/>
-          </a:p>
-          <a:p>
-            <a:r>
-              <a:rPr lang="ru-RU" dirty="0" smtClean="0"/>
-              <a:t>Иногда бывает полезно, чтобы метод класса возвращал объект, с которым работает, в виде возвращаемого значения. Основной смысл здесь — это позволить нескольким методам объединиться в «</a:t>
-            </a:r>
-            <a:r>
-              <a:rPr lang="ru-RU" dirty="0"/>
-              <a:t>цепочку</a:t>
-            </a:r>
-            <a:r>
-              <a:rPr lang="ru-RU" dirty="0" smtClean="0"/>
-              <a:t>», работая при этом с одним объектом</a:t>
-            </a:r>
-            <a:r>
-              <a:rPr lang="ru-RU" dirty="0"/>
-              <a:t>.</a:t>
-            </a:r>
-            <a:endParaRPr lang="ru-RU" dirty="0" smtClean="0"/>
-          </a:p>
-          <a:p>
-            <a:r>
-              <a:rPr lang="ru-RU" dirty="0" smtClean="0"/>
-              <a:t>Указатель *</a:t>
-            </a:r>
-            <a:r>
-              <a:rPr lang="ru-RU" dirty="0" err="1" smtClean="0"/>
-              <a:t>this</a:t>
-            </a:r>
-            <a:r>
-              <a:rPr lang="ru-RU" dirty="0" smtClean="0"/>
-              <a:t> является скрытым параметром, который неявно добавляется к каждому методу класса. В большинстве случаев нам не нужно </a:t>
-            </a:r>
-            <a:r>
-              <a:rPr lang="ru-RU" u="sng" dirty="0" smtClean="0"/>
-              <a:t>о</a:t>
-            </a:r>
-            <a:r>
-              <a:rPr lang="ru-RU" dirty="0" smtClean="0"/>
-              <a:t>бращаться к нему напрямую, но при необходимости это можно сделать. Стоит отметить, что указатель *</a:t>
-            </a:r>
-            <a:r>
-              <a:rPr lang="ru-RU" dirty="0" err="1" smtClean="0"/>
-              <a:t>this</a:t>
-            </a:r>
-            <a:r>
-              <a:rPr lang="ru-RU" dirty="0" smtClean="0"/>
-              <a:t> является константным указателем — вы можете изменить значение исходного объекта, но вы не можете заставить указатель *</a:t>
-            </a:r>
-            <a:r>
-              <a:rPr lang="ru-RU" dirty="0" err="1" smtClean="0"/>
-              <a:t>this</a:t>
-            </a:r>
-            <a:r>
-              <a:rPr lang="ru-RU" dirty="0" smtClean="0"/>
-              <a:t> указывать на что-то другое.</a:t>
+              <a:t>. По сути это означает что если нам необходимо использовать в своей программе файл или подключение к серверу, к базе данных и тому подобное, то мы должны обернуть этот ресурс в класс и привязать факты открытия и закрытия этого ресурса к элементам цикла жизни объекта класса, т.е. открывать в конструкторе, а закрывать в деструкторе.</a:t>
             </a:r>
             <a:endParaRPr lang="ru-RU" dirty="0"/>
           </a:p>
@@ -11081,8 +11241,8 @@
         </p:nvSpPr>
         <p:spPr>
           <a:xfrm>
-            <a:off x="4867702" y="0"/>
-            <a:ext cx="2456698" cy="523220"/>
+            <a:off x="5649450" y="0"/>
+            <a:ext cx="893193" cy="523220"/>
           </a:xfrm>
           <a:prstGeom prst="rect">
             <a:avLst/>
@@ -11096,16 +11256,10 @@
           <a:p>
             <a:pPr algn="ctr"/>
             <a:r>
-              <a:rPr lang="ru-RU" sz="2800" b="1" smtClean="0">
+              <a:rPr lang="en-US" sz="2800" b="1" dirty="0" smtClean="0">
                 <a:latin typeface="Calibri" panose="020F0502020204030204" pitchFamily="34" charset="0"/>
               </a:rPr>
-              <a:t>Указатель </a:t>
-            </a:r>
-            <a:r>
-              <a:rPr lang="en-US" sz="2800" b="1" smtClean="0">
-                <a:latin typeface="Calibri" panose="020F0502020204030204" pitchFamily="34" charset="0"/>
-              </a:rPr>
-              <a:t>this</a:t>
+              <a:t>RAII</a:t>
             </a:r>
             <a:r>
               <a:rPr lang="ru-RU" sz="2800" b="1" dirty="0" smtClean="0">
@@ -11127,302 +11281,121 @@
         </p:nvSpPr>
         <p:spPr>
           <a:xfrm>
-            <a:off x="3048050" y="3010713"/>
-            <a:ext cx="6096000" cy="1477328"/>
+            <a:off x="579166" y="4170310"/>
+            <a:ext cx="11033760" cy="1754326"/>
           </a:xfrm>
           <a:prstGeom prst="rect">
             <a:avLst/>
           </a:prstGeom>
         </p:spPr>
         <p:txBody>
-          <a:bodyPr>
+          <a:bodyPr wrap="square">
             <a:spAutoFit/>
           </a:bodyPr>
           <a:lstStyle/>
           <a:p>
             <a:r>
-              <a:rPr lang="en-US" dirty="0" smtClean="0">
-                <a:solidFill>
-                  <a:srgbClr val="000000"/>
-                </a:solidFill>
-                <a:latin typeface="Consolas" panose="020B0609020204030204" pitchFamily="49" charset="0"/>
-              </a:rPr>
-              <a:t>        Point(</a:t>
-            </a:r>
-            <a:r>
-              <a:rPr lang="en-US" dirty="0" err="1" smtClean="0">
-                <a:solidFill>
-                  <a:srgbClr val="0000FF"/>
-                </a:solidFill>
-                <a:latin typeface="Consolas" panose="020B0609020204030204" pitchFamily="49" charset="0"/>
-              </a:rPr>
-              <a:t>int</a:t>
-            </a:r>
-            <a:r>
-              <a:rPr lang="en-US" dirty="0" smtClean="0">
-                <a:solidFill>
-                  <a:srgbClr val="000000"/>
-                </a:solidFill>
-                <a:latin typeface="Consolas" panose="020B0609020204030204" pitchFamily="49" charset="0"/>
-              </a:rPr>
-              <a:t> x, </a:t>
-            </a:r>
-            <a:r>
-              <a:rPr lang="en-US" dirty="0" err="1" smtClean="0">
-                <a:solidFill>
-                  <a:srgbClr val="0000FF"/>
-                </a:solidFill>
-                <a:latin typeface="Consolas" panose="020B0609020204030204" pitchFamily="49" charset="0"/>
-              </a:rPr>
-              <a:t>int</a:t>
-            </a:r>
-            <a:r>
-              <a:rPr lang="en-US" dirty="0" smtClean="0">
-                <a:solidFill>
-                  <a:srgbClr val="000000"/>
-                </a:solidFill>
-                <a:latin typeface="Consolas" panose="020B0609020204030204" pitchFamily="49" charset="0"/>
-              </a:rPr>
-              <a:t> y</a:t>
-            </a:r>
-            <a:r>
-              <a:rPr lang="en-US" dirty="0">
-                <a:solidFill>
-                  <a:srgbClr val="000000"/>
-                </a:solidFill>
-                <a:latin typeface="Consolas" panose="020B0609020204030204" pitchFamily="49" charset="0"/>
-              </a:rPr>
-              <a:t>){</a:t>
-            </a:r>
-          </a:p>
-          <a:p>
-            <a:r>
-              <a:rPr lang="en-US" dirty="0" smtClean="0">
-                <a:solidFill>
-                  <a:srgbClr val="000000"/>
-                </a:solidFill>
-                <a:latin typeface="Consolas" panose="020B0609020204030204" pitchFamily="49" charset="0"/>
-              </a:rPr>
-              <a:t>            </a:t>
-            </a:r>
-            <a:r>
-              <a:rPr lang="en-US" dirty="0" smtClean="0">
-                <a:solidFill>
-                  <a:srgbClr val="0000FF"/>
-                </a:solidFill>
-                <a:latin typeface="Consolas" panose="020B0609020204030204" pitchFamily="49" charset="0"/>
-              </a:rPr>
-              <a:t>this</a:t>
-            </a:r>
-            <a:r>
-              <a:rPr lang="en-US" dirty="0" smtClean="0">
-                <a:solidFill>
-                  <a:srgbClr val="000000"/>
-                </a:solidFill>
-                <a:latin typeface="Consolas" panose="020B0609020204030204" pitchFamily="49" charset="0"/>
-              </a:rPr>
-              <a:t>-</a:t>
-            </a:r>
-            <a:r>
-              <a:rPr lang="en-US" dirty="0">
-                <a:solidFill>
-                  <a:srgbClr val="000000"/>
-                </a:solidFill>
-                <a:latin typeface="Consolas" panose="020B0609020204030204" pitchFamily="49" charset="0"/>
-              </a:rPr>
-              <a:t>&gt;</a:t>
-            </a:r>
-            <a:r>
-              <a:rPr lang="en-US" dirty="0" smtClean="0">
-                <a:solidFill>
-                  <a:srgbClr val="000000"/>
-                </a:solidFill>
-                <a:latin typeface="Consolas" panose="020B0609020204030204" pitchFamily="49" charset="0"/>
-              </a:rPr>
-              <a:t>x = x</a:t>
-            </a:r>
-            <a:r>
-              <a:rPr lang="en-US" dirty="0">
-                <a:solidFill>
-                  <a:srgbClr val="000000"/>
-                </a:solidFill>
-                <a:latin typeface="Consolas" panose="020B0609020204030204" pitchFamily="49" charset="0"/>
-              </a:rPr>
-              <a:t>;</a:t>
-            </a:r>
-          </a:p>
-          <a:p>
-            <a:r>
-              <a:rPr lang="en-US" dirty="0" smtClean="0">
-                <a:solidFill>
-                  <a:srgbClr val="000000"/>
-                </a:solidFill>
-                <a:latin typeface="Consolas" panose="020B0609020204030204" pitchFamily="49" charset="0"/>
-              </a:rPr>
-              <a:t>            </a:t>
-            </a:r>
-            <a:r>
-              <a:rPr lang="en-US" dirty="0" smtClean="0">
-                <a:solidFill>
-                  <a:srgbClr val="0000FF"/>
-                </a:solidFill>
-                <a:latin typeface="Consolas" panose="020B0609020204030204" pitchFamily="49" charset="0"/>
-              </a:rPr>
-              <a:t>this</a:t>
-            </a:r>
-            <a:r>
-              <a:rPr lang="en-US" dirty="0" smtClean="0">
-                <a:solidFill>
-                  <a:srgbClr val="000000"/>
-                </a:solidFill>
-                <a:latin typeface="Consolas" panose="020B0609020204030204" pitchFamily="49" charset="0"/>
-              </a:rPr>
-              <a:t>-</a:t>
-            </a:r>
-            <a:r>
-              <a:rPr lang="en-US" dirty="0">
-                <a:solidFill>
-                  <a:srgbClr val="000000"/>
-                </a:solidFill>
-                <a:latin typeface="Consolas" panose="020B0609020204030204" pitchFamily="49" charset="0"/>
-              </a:rPr>
-              <a:t>&gt;</a:t>
-            </a:r>
-            <a:r>
-              <a:rPr lang="en-US" dirty="0" smtClean="0">
-                <a:solidFill>
-                  <a:srgbClr val="000000"/>
-                </a:solidFill>
-                <a:latin typeface="Consolas" panose="020B0609020204030204" pitchFamily="49" charset="0"/>
-              </a:rPr>
-              <a:t>y = y</a:t>
-            </a:r>
-            <a:r>
-              <a:rPr lang="en-US" dirty="0">
-                <a:solidFill>
-                  <a:srgbClr val="000000"/>
-                </a:solidFill>
-                <a:latin typeface="Consolas" panose="020B0609020204030204" pitchFamily="49" charset="0"/>
-              </a:rPr>
-              <a:t>;</a:t>
-            </a:r>
-          </a:p>
-          <a:p>
-            <a:r>
-              <a:rPr lang="en-US" dirty="0" smtClean="0">
-                <a:solidFill>
-                  <a:srgbClr val="000000"/>
-                </a:solidFill>
-                <a:latin typeface="Consolas" panose="020B0609020204030204" pitchFamily="49" charset="0"/>
-              </a:rPr>
-              <a:t>            </a:t>
-            </a:r>
-            <a:r>
-              <a:rPr lang="en-US" dirty="0" smtClean="0">
-                <a:solidFill>
-                  <a:srgbClr val="0000FF"/>
-                </a:solidFill>
-                <a:latin typeface="Consolas" panose="020B0609020204030204" pitchFamily="49" charset="0"/>
-              </a:rPr>
-              <a:t>this</a:t>
-            </a:r>
-            <a:r>
-              <a:rPr lang="en-US" dirty="0" smtClean="0">
-                <a:solidFill>
-                  <a:srgbClr val="000000"/>
-                </a:solidFill>
-                <a:latin typeface="Consolas" panose="020B0609020204030204" pitchFamily="49" charset="0"/>
-              </a:rPr>
-              <a:t>-</a:t>
-            </a:r>
-            <a:r>
-              <a:rPr lang="en-US" dirty="0">
-                <a:solidFill>
-                  <a:srgbClr val="000000"/>
-                </a:solidFill>
-                <a:latin typeface="Consolas" panose="020B0609020204030204" pitchFamily="49" charset="0"/>
-              </a:rPr>
-              <a:t>&gt;</a:t>
-            </a:r>
-            <a:r>
-              <a:rPr lang="en-US" dirty="0" smtClean="0">
-                <a:solidFill>
-                  <a:srgbClr val="000000"/>
-                </a:solidFill>
-                <a:latin typeface="Consolas" panose="020B0609020204030204" pitchFamily="49" charset="0"/>
-              </a:rPr>
-              <a:t>error = </a:t>
-            </a:r>
-            <a:r>
-              <a:rPr lang="en-US" dirty="0" smtClean="0">
-                <a:solidFill>
-                  <a:srgbClr val="0000FF"/>
-                </a:solidFill>
-                <a:latin typeface="Consolas" panose="020B0609020204030204" pitchFamily="49" charset="0"/>
-              </a:rPr>
-              <a:t>new</a:t>
-            </a:r>
-            <a:r>
-              <a:rPr lang="en-US" dirty="0" smtClean="0">
-                <a:solidFill>
-                  <a:srgbClr val="000000"/>
-                </a:solidFill>
-                <a:latin typeface="Consolas" panose="020B0609020204030204" pitchFamily="49" charset="0"/>
-              </a:rPr>
-              <a:t> </a:t>
-            </a:r>
-            <a:r>
-              <a:rPr lang="en-US" dirty="0" smtClean="0">
-                <a:solidFill>
-                  <a:srgbClr val="0000FF"/>
-                </a:solidFill>
-                <a:latin typeface="Consolas" panose="020B0609020204030204" pitchFamily="49" charset="0"/>
-              </a:rPr>
-              <a:t>double</a:t>
-            </a:r>
-            <a:r>
-              <a:rPr lang="en-US" dirty="0" smtClean="0">
-                <a:solidFill>
-                  <a:srgbClr val="000000"/>
-                </a:solidFill>
-                <a:latin typeface="Consolas" panose="020B0609020204030204" pitchFamily="49" charset="0"/>
-              </a:rPr>
-              <a:t> {</a:t>
-            </a:r>
-            <a:r>
-              <a:rPr lang="en-US" dirty="0">
-                <a:solidFill>
-                  <a:srgbClr val="098658"/>
-                </a:solidFill>
-                <a:latin typeface="Consolas" panose="020B0609020204030204" pitchFamily="49" charset="0"/>
-              </a:rPr>
-              <a:t>0.5</a:t>
-            </a:r>
-            <a:r>
-              <a:rPr lang="en-US" dirty="0">
-                <a:solidFill>
-                  <a:srgbClr val="000000"/>
-                </a:solidFill>
-                <a:latin typeface="Consolas" panose="020B0609020204030204" pitchFamily="49" charset="0"/>
-              </a:rPr>
-              <a:t>};</a:t>
-            </a:r>
-          </a:p>
-          <a:p>
-            <a:r>
-              <a:rPr lang="en-US" dirty="0" smtClean="0">
-                <a:solidFill>
-                  <a:srgbClr val="000000"/>
-                </a:solidFill>
-                <a:latin typeface="Consolas" panose="020B0609020204030204" pitchFamily="49" charset="0"/>
-              </a:rPr>
-              <a:t>        }</a:t>
-            </a:r>
-            <a:endParaRPr lang="ru-RU" dirty="0">
-              <a:solidFill>
-                <a:srgbClr val="000000"/>
-              </a:solidFill>
-              <a:latin typeface="Consolas" panose="020B0609020204030204" pitchFamily="49" charset="0"/>
+              <a:rPr lang="ru-RU" dirty="0" smtClean="0"/>
+              <a:t>Если вам пришлось объявить что-либо из собственного</a:t>
+            </a:r>
+            <a:r>
+              <a:rPr lang="en-US" dirty="0" smtClean="0"/>
+              <a:t> </a:t>
+            </a:r>
+            <a:r>
+              <a:rPr lang="ru-RU" dirty="0" smtClean="0"/>
+              <a:t>конструктора копирования, собственного оператора</a:t>
+            </a:r>
+            <a:r>
+              <a:rPr lang="en-US" dirty="0" smtClean="0"/>
+              <a:t> </a:t>
+            </a:r>
+            <a:r>
+              <a:rPr lang="ru-RU" dirty="0" smtClean="0"/>
+              <a:t>присваивания и собственного деструктора, то, скорее всего</a:t>
+            </a:r>
+            <a:r>
+              <a:rPr lang="ru-RU" dirty="0"/>
+              <a:t>,</a:t>
+            </a:r>
+          </a:p>
+          <a:p>
+            <a:r>
+              <a:rPr lang="ru-RU" dirty="0" smtClean="0"/>
+              <a:t>вам нужно объявить все вышеперечисленное.</a:t>
+            </a:r>
+          </a:p>
+          <a:p>
+            <a:r>
+              <a:rPr lang="ru-RU" dirty="0" smtClean="0"/>
+              <a:t>Упрощенное объяснение</a:t>
+            </a:r>
+            <a:r>
+              <a:rPr lang="ru-RU" dirty="0"/>
+              <a:t>:</a:t>
+            </a:r>
+          </a:p>
+          <a:p>
+            <a:r>
+              <a:rPr lang="ru-RU" dirty="0" smtClean="0"/>
+              <a:t>Если среди полей класса есть хотя бы один указатель, вам</a:t>
+            </a:r>
+            <a:r>
+              <a:rPr lang="en-US" dirty="0" smtClean="0"/>
+              <a:t> </a:t>
+            </a:r>
+            <a:r>
+              <a:rPr lang="ru-RU" dirty="0" smtClean="0"/>
+              <a:t>нужно писать свой конструктор копирования, оператор</a:t>
+            </a:r>
+            <a:r>
+              <a:rPr lang="en-US" dirty="0" smtClean="0"/>
+              <a:t> </a:t>
+            </a:r>
+            <a:r>
+              <a:rPr lang="ru-RU" dirty="0" smtClean="0"/>
+              <a:t>присваивания и деструктор класса.</a:t>
+            </a:r>
+            <a:endParaRPr lang="ru-RU" dirty="0"/>
+          </a:p>
+        </p:txBody>
+      </p:sp>
+      <p:sp>
+        <p:nvSpPr>
+          <p:cNvPr id="6" name="Прямоугольник 5"/>
+          <p:cNvSpPr/>
+          <p:nvPr/>
+        </p:nvSpPr>
+        <p:spPr>
+          <a:xfrm>
+            <a:off x="4791032" y="3647090"/>
+            <a:ext cx="2393990" cy="523220"/>
+          </a:xfrm>
+          <a:prstGeom prst="rect">
+            <a:avLst/>
+          </a:prstGeom>
+        </p:spPr>
+        <p:txBody>
+          <a:bodyPr wrap="none">
+            <a:spAutoFit/>
+          </a:bodyPr>
+          <a:lstStyle/>
+          <a:p>
+            <a:pPr algn="ctr"/>
+            <a:r>
+              <a:rPr lang="ru-RU" sz="2800" b="1" smtClean="0">
+                <a:latin typeface="Calibri" panose="020F0502020204030204" pitchFamily="34" charset="0"/>
+              </a:rPr>
+              <a:t>Правило трех</a:t>
+            </a:r>
+            <a:r>
+              <a:rPr lang="ru-RU" sz="2800" b="1" dirty="0" smtClean="0">
+                <a:latin typeface="Calibri" panose="020F0502020204030204" pitchFamily="34" charset="0"/>
+              </a:rPr>
+              <a:t>.</a:t>
+            </a:r>
+            <a:endParaRPr lang="ru-RU" sz="2800" b="1" dirty="0">
+              <a:latin typeface="Calibri" panose="020F0502020204030204" pitchFamily="34" charset="0"/>
             </a:endParaRPr>
           </a:p>
         </p:txBody>
@@ -11430,7 +11403,7 @@
     </p:spTree>
     <p:extLst>
       <p:ext uri="{BB962C8B-B14F-4D97-AF65-F5344CB8AC3E}">
-        <p14:creationId xmlns:p14="http://schemas.microsoft.com/office/powerpoint/2010/main" val="3691105831"/>
+        <p14:creationId xmlns:p14="http://schemas.microsoft.com/office/powerpoint/2010/main" val="879444638"/>
       </p:ext>
     </p:extLst>
   </p:cSld>
@@ -12547,12 +12520,12 @@
               <a:t>не приходится решать множество технических вопросов хранения и локализации данных одного абстрактного понятия, </a:t>
             </a:r>
             <a:r>
-              <a:rPr lang="ru-RU" dirty="0" err="1"/>
-              <a:t>разграничивания</a:t>
+              <a:rPr lang="ru-RU" dirty="0" smtClean="0"/>
+              <a:t>разграничения </a:t>
             </a:r>
             <a:r>
               <a:rPr lang="ru-RU" dirty="0"/>
-              <a:t> и локализации функций работы с ними, что позволяет не учитывать эту специфику во время проектирования и ускорить программирование.</a:t>
+              <a:t>и локализации функций работы с ними, что позволяет не учитывать эту специфику во время проектирования и ускорить программирование.</a:t>
             </a:r>
           </a:p>
           <a:p>
@@ -13428,11 +13401,7 @@
               </a:r>
               <a:r>
                 <a:rPr lang="ru-RU" smtClean="0"/>
-                <a:t>, которые хранят информацию</a:t>
-              </a:r>
-              <a:r>
-                <a:rPr lang="ru-RU" smtClean="0"/>
-                <a:t> этой структуры, но помимо них имеет так же набор функций которые ассоциируются только с этой структурой и называемых </a:t>
+                <a:t>, которые хранят информацию этой структуры, но помимо них имеет так же набор функций которые ассоциируются только с этой структурой и называемых </a:t>
               </a:r>
               <a:r>
                 <a:rPr lang="ru-RU" b="1" smtClean="0"/>
